--- a/PresentationTest.pptx
+++ b/PresentationTest.pptx
@@ -200,7 +200,7 @@
             <a:fld id="{36E72BAA-1AAB-4996-B28F-D96060A52D7D}" type="datetimeFigureOut">
               <a:rPr lang="en-US" smtClean="0"/>
               <a:pPr/>
-              <a:t>5/1/2018</a:t>
+              <a:t>5/2/2018</a:t>
             </a:fld>
             <a:endParaRPr lang="en-US"/>
           </a:p>
@@ -369,6 +369,11 @@
         </p:txBody>
       </p:sp>
     </p:spTree>
+    <p:extLst>
+      <p:ext uri="{BB962C8B-B14F-4D97-AF65-F5344CB8AC3E}">
+        <p14:creationId xmlns:p14="http://schemas.microsoft.com/office/powerpoint/2010/main" val="326295985"/>
+      </p:ext>
+    </p:extLst>
   </p:cSld>
   <p:clrMap bg1="lt1" tx1="dk1" bg2="lt2" tx2="dk2" accent1="accent1" accent2="accent2" accent3="accent3" accent4="accent4" accent5="accent5" accent6="accent6" hlink="hlink" folHlink="folHlink"/>
   <p:notesStyle>
@@ -562,7 +567,7 @@
     </p:spTree>
     <p:extLst>
       <p:ext uri="{BB962C8B-B14F-4D97-AF65-F5344CB8AC3E}">
-        <p14:creationId xmlns="" xmlns:p14="http://schemas.microsoft.com/office/powerpoint/2010/main" val="639553562"/>
+        <p14:creationId xmlns:p14="http://schemas.microsoft.com/office/powerpoint/2010/main" val="639553562"/>
       </p:ext>
     </p:extLst>
   </p:cSld>
@@ -668,7 +673,7 @@
     </p:spTree>
     <p:extLst>
       <p:ext uri="{BB962C8B-B14F-4D97-AF65-F5344CB8AC3E}">
-        <p14:creationId xmlns="" xmlns:p14="http://schemas.microsoft.com/office/powerpoint/2010/main" val="2357716730"/>
+        <p14:creationId xmlns:p14="http://schemas.microsoft.com/office/powerpoint/2010/main" val="2357716730"/>
       </p:ext>
     </p:extLst>
   </p:cSld>
@@ -774,7 +779,7 @@
     </p:spTree>
     <p:extLst>
       <p:ext uri="{BB962C8B-B14F-4D97-AF65-F5344CB8AC3E}">
-        <p14:creationId xmlns="" xmlns:p14="http://schemas.microsoft.com/office/powerpoint/2010/main" val="4107268320"/>
+        <p14:creationId xmlns:p14="http://schemas.microsoft.com/office/powerpoint/2010/main" val="4107268320"/>
       </p:ext>
     </p:extLst>
   </p:cSld>
@@ -880,7 +885,7 @@
     </p:spTree>
     <p:extLst>
       <p:ext uri="{BB962C8B-B14F-4D97-AF65-F5344CB8AC3E}">
-        <p14:creationId xmlns="" xmlns:p14="http://schemas.microsoft.com/office/powerpoint/2010/main" val="374913310"/>
+        <p14:creationId xmlns:p14="http://schemas.microsoft.com/office/powerpoint/2010/main" val="374913310"/>
       </p:ext>
     </p:extLst>
   </p:cSld>
@@ -986,7 +991,7 @@
     </p:spTree>
     <p:extLst>
       <p:ext uri="{BB962C8B-B14F-4D97-AF65-F5344CB8AC3E}">
-        <p14:creationId xmlns="" xmlns:p14="http://schemas.microsoft.com/office/powerpoint/2010/main" val="3127724869"/>
+        <p14:creationId xmlns:p14="http://schemas.microsoft.com/office/powerpoint/2010/main" val="3127724869"/>
       </p:ext>
     </p:extLst>
   </p:cSld>
@@ -1092,7 +1097,7 @@
     </p:spTree>
     <p:extLst>
       <p:ext uri="{BB962C8B-B14F-4D97-AF65-F5344CB8AC3E}">
-        <p14:creationId xmlns="" xmlns:p14="http://schemas.microsoft.com/office/powerpoint/2010/main" val="2242023721"/>
+        <p14:creationId xmlns:p14="http://schemas.microsoft.com/office/powerpoint/2010/main" val="2242023721"/>
       </p:ext>
     </p:extLst>
   </p:cSld>
@@ -1198,7 +1203,7 @@
     </p:spTree>
     <p:extLst>
       <p:ext uri="{BB962C8B-B14F-4D97-AF65-F5344CB8AC3E}">
-        <p14:creationId xmlns="" xmlns:p14="http://schemas.microsoft.com/office/powerpoint/2010/main" val="2746452651"/>
+        <p14:creationId xmlns:p14="http://schemas.microsoft.com/office/powerpoint/2010/main" val="2746452651"/>
       </p:ext>
     </p:extLst>
   </p:cSld>
@@ -1304,7 +1309,7 @@
     </p:spTree>
     <p:extLst>
       <p:ext uri="{BB962C8B-B14F-4D97-AF65-F5344CB8AC3E}">
-        <p14:creationId xmlns="" xmlns:p14="http://schemas.microsoft.com/office/powerpoint/2010/main" val="3280435508"/>
+        <p14:creationId xmlns:p14="http://schemas.microsoft.com/office/powerpoint/2010/main" val="3280435508"/>
       </p:ext>
     </p:extLst>
   </p:cSld>
@@ -1496,7 +1501,7 @@
             <a:fld id="{82011B4C-475D-4BEF-95A7-081049C6009E}" type="datetimeFigureOut">
               <a:rPr lang="en-US" smtClean="0"/>
               <a:pPr/>
-              <a:t>5/1/2018</a:t>
+              <a:t>5/2/2018</a:t>
             </a:fld>
             <a:endParaRPr lang="en-US"/>
           </a:p>
@@ -1663,7 +1668,7 @@
             <a:fld id="{82011B4C-475D-4BEF-95A7-081049C6009E}" type="datetimeFigureOut">
               <a:rPr lang="en-US" smtClean="0"/>
               <a:pPr/>
-              <a:t>5/1/2018</a:t>
+              <a:t>5/2/2018</a:t>
             </a:fld>
             <a:endParaRPr lang="en-US"/>
           </a:p>
@@ -1840,7 +1845,7 @@
             <a:fld id="{82011B4C-475D-4BEF-95A7-081049C6009E}" type="datetimeFigureOut">
               <a:rPr lang="en-US" smtClean="0"/>
               <a:pPr/>
-              <a:t>5/1/2018</a:t>
+              <a:t>5/2/2018</a:t>
             </a:fld>
             <a:endParaRPr lang="en-US"/>
           </a:p>
@@ -1959,7 +1964,7 @@
     </p:spTree>
     <p:extLst>
       <p:ext uri="{BB962C8B-B14F-4D97-AF65-F5344CB8AC3E}">
-        <p14:creationId xmlns="" xmlns:p14="http://schemas.microsoft.com/office/powerpoint/2010/main" val="54850460"/>
+        <p14:creationId xmlns:p14="http://schemas.microsoft.com/office/powerpoint/2010/main" val="54850460"/>
       </p:ext>
     </p:extLst>
   </p:cSld>
@@ -2079,7 +2084,7 @@
             <a:fld id="{82011B4C-475D-4BEF-95A7-081049C6009E}" type="datetimeFigureOut">
               <a:rPr lang="en-US" smtClean="0"/>
               <a:pPr/>
-              <a:t>5/1/2018</a:t>
+              <a:t>5/2/2018</a:t>
             </a:fld>
             <a:endParaRPr lang="en-US"/>
           </a:p>
@@ -2322,7 +2327,7 @@
             <a:fld id="{82011B4C-475D-4BEF-95A7-081049C6009E}" type="datetimeFigureOut">
               <a:rPr lang="en-US" smtClean="0"/>
               <a:pPr/>
-              <a:t>5/1/2018</a:t>
+              <a:t>5/2/2018</a:t>
             </a:fld>
             <a:endParaRPr lang="en-US"/>
           </a:p>
@@ -2607,7 +2612,7 @@
             <a:fld id="{82011B4C-475D-4BEF-95A7-081049C6009E}" type="datetimeFigureOut">
               <a:rPr lang="en-US" smtClean="0"/>
               <a:pPr/>
-              <a:t>5/1/2018</a:t>
+              <a:t>5/2/2018</a:t>
             </a:fld>
             <a:endParaRPr lang="en-US"/>
           </a:p>
@@ -3026,7 +3031,7 @@
             <a:fld id="{82011B4C-475D-4BEF-95A7-081049C6009E}" type="datetimeFigureOut">
               <a:rPr lang="en-US" smtClean="0"/>
               <a:pPr/>
-              <a:t>5/1/2018</a:t>
+              <a:t>5/2/2018</a:t>
             </a:fld>
             <a:endParaRPr lang="en-US"/>
           </a:p>
@@ -3141,7 +3146,7 @@
             <a:fld id="{82011B4C-475D-4BEF-95A7-081049C6009E}" type="datetimeFigureOut">
               <a:rPr lang="en-US" smtClean="0"/>
               <a:pPr/>
-              <a:t>5/1/2018</a:t>
+              <a:t>5/2/2018</a:t>
             </a:fld>
             <a:endParaRPr lang="en-US"/>
           </a:p>
@@ -3233,7 +3238,7 @@
             <a:fld id="{82011B4C-475D-4BEF-95A7-081049C6009E}" type="datetimeFigureOut">
               <a:rPr lang="en-US" smtClean="0"/>
               <a:pPr/>
-              <a:t>5/1/2018</a:t>
+              <a:t>5/2/2018</a:t>
             </a:fld>
             <a:endParaRPr lang="en-US"/>
           </a:p>
@@ -3507,7 +3512,7 @@
             <a:fld id="{82011B4C-475D-4BEF-95A7-081049C6009E}" type="datetimeFigureOut">
               <a:rPr lang="en-US" smtClean="0"/>
               <a:pPr/>
-              <a:t>5/1/2018</a:t>
+              <a:t>5/2/2018</a:t>
             </a:fld>
             <a:endParaRPr lang="en-US"/>
           </a:p>
@@ -3757,7 +3762,7 @@
             <a:fld id="{82011B4C-475D-4BEF-95A7-081049C6009E}" type="datetimeFigureOut">
               <a:rPr lang="en-US" smtClean="0"/>
               <a:pPr/>
-              <a:t>5/1/2018</a:t>
+              <a:t>5/2/2018</a:t>
             </a:fld>
             <a:endParaRPr lang="en-US"/>
           </a:p>
@@ -3967,7 +3972,7 @@
             <a:fld id="{82011B4C-475D-4BEF-95A7-081049C6009E}" type="datetimeFigureOut">
               <a:rPr lang="en-US" smtClean="0"/>
               <a:pPr/>
-              <a:t>5/1/2018</a:t>
+              <a:t>5/2/2018</a:t>
             </a:fld>
             <a:endParaRPr lang="en-US"/>
           </a:p>
@@ -4380,7 +4385,7 @@
           <a:blip r:embed="rId3" cstate="print">
             <a:extLst>
               <a:ext uri="{28A0092B-C50C-407E-A947-70E740481C1C}">
-                <a14:useLocalDpi xmlns="" xmlns:a14="http://schemas.microsoft.com/office/drawing/2010/main" val="0"/>
+                <a14:useLocalDpi xmlns:a14="http://schemas.microsoft.com/office/drawing/2010/main" val="0"/>
               </a:ext>
             </a:extLst>
           </a:blip>
@@ -4629,7 +4634,7 @@
           <a:effectLst/>
           <a:extLst>
             <a:ext uri="{91240B29-F687-4F45-9708-019B960494DF}">
-              <a14:hiddenLine xmlns="" xmlns:a14="http://schemas.microsoft.com/office/drawing/2010/main" w="9525" cap="flat">
+              <a14:hiddenLine xmlns:a14="http://schemas.microsoft.com/office/drawing/2010/main" w="9525" cap="flat">
                 <a:solidFill>
                   <a:srgbClr val="808080"/>
                 </a:solidFill>
@@ -4639,7 +4644,7 @@
               </a14:hiddenLine>
             </a:ext>
             <a:ext uri="{AF507438-7753-43E0-B8FC-AC1667EBCBE1}">
-              <a14:hiddenEffects xmlns="" xmlns:a14="http://schemas.microsoft.com/office/drawing/2010/main">
+              <a14:hiddenEffects xmlns:a14="http://schemas.microsoft.com/office/drawing/2010/main">
                 <a:effectLst>
                   <a:outerShdw blurRad="63500" dist="38099" dir="2700000" algn="ctr" rotWithShape="0">
                     <a:srgbClr val="000000">
@@ -4768,7 +4773,7 @@
           <a:blip r:embed="rId4" cstate="print">
             <a:extLst>
               <a:ext uri="{28A0092B-C50C-407E-A947-70E740481C1C}">
-                <a14:useLocalDpi xmlns="" xmlns:a14="http://schemas.microsoft.com/office/drawing/2010/main" val="0"/>
+                <a14:useLocalDpi xmlns:a14="http://schemas.microsoft.com/office/drawing/2010/main" val="0"/>
               </a:ext>
             </a:extLst>
           </a:blip>
@@ -4798,7 +4803,7 @@
           <a:blip r:embed="rId5" cstate="print">
             <a:extLst>
               <a:ext uri="{28A0092B-C50C-407E-A947-70E740481C1C}">
-                <a14:useLocalDpi xmlns="" xmlns:a14="http://schemas.microsoft.com/office/drawing/2010/main" val="0"/>
+                <a14:useLocalDpi xmlns:a14="http://schemas.microsoft.com/office/drawing/2010/main" val="0"/>
               </a:ext>
             </a:extLst>
           </a:blip>
@@ -6648,7 +6653,7 @@
     </p:spTree>
     <p:extLst>
       <p:ext uri="{BB962C8B-B14F-4D97-AF65-F5344CB8AC3E}">
-        <p14:creationId xmlns="" xmlns:p14="http://schemas.microsoft.com/office/powerpoint/2010/main" val="3753817240"/>
+        <p14:creationId xmlns:p14="http://schemas.microsoft.com/office/powerpoint/2010/main" val="3753817240"/>
       </p:ext>
     </p:extLst>
   </p:cSld>
@@ -8812,14 +8817,14 @@
           </a:ln>
           <a:extLst>
             <a:ext uri="{909E8E84-426E-40DD-AFC4-6F175D3DCCD1}">
-              <a14:hiddenFill xmlns="" xmlns:a14="http://schemas.microsoft.com/office/drawing/2010/main">
+              <a14:hiddenFill xmlns:a14="http://schemas.microsoft.com/office/drawing/2010/main">
                 <a:solidFill>
                   <a:srgbClr val="FFFFFF"/>
                 </a:solidFill>
               </a14:hiddenFill>
             </a:ext>
             <a:ext uri="{91240B29-F687-4F45-9708-019B960494DF}">
-              <a14:hiddenLine xmlns="" xmlns:a14="http://schemas.microsoft.com/office/drawing/2010/main" w="9525">
+              <a14:hiddenLine xmlns:a14="http://schemas.microsoft.com/office/drawing/2010/main" w="9525">
                 <a:solidFill>
                   <a:srgbClr val="000000"/>
                 </a:solidFill>
@@ -8974,14 +8979,14 @@
           </a:ln>
           <a:extLst>
             <a:ext uri="{909E8E84-426E-40DD-AFC4-6F175D3DCCD1}">
-              <a14:hiddenFill xmlns="" xmlns:a14="http://schemas.microsoft.com/office/drawing/2010/main">
+              <a14:hiddenFill xmlns:a14="http://schemas.microsoft.com/office/drawing/2010/main">
                 <a:solidFill>
                   <a:srgbClr val="FFFFFF"/>
                 </a:solidFill>
               </a14:hiddenFill>
             </a:ext>
             <a:ext uri="{91240B29-F687-4F45-9708-019B960494DF}">
-              <a14:hiddenLine xmlns="" xmlns:a14="http://schemas.microsoft.com/office/drawing/2010/main" w="9525">
+              <a14:hiddenLine xmlns:a14="http://schemas.microsoft.com/office/drawing/2010/main" w="9525">
                 <a:solidFill>
                   <a:srgbClr val="000000"/>
                 </a:solidFill>
@@ -9136,14 +9141,14 @@
           </a:ln>
           <a:extLst>
             <a:ext uri="{909E8E84-426E-40DD-AFC4-6F175D3DCCD1}">
-              <a14:hiddenFill xmlns="" xmlns:a14="http://schemas.microsoft.com/office/drawing/2010/main">
+              <a14:hiddenFill xmlns:a14="http://schemas.microsoft.com/office/drawing/2010/main">
                 <a:solidFill>
                   <a:srgbClr val="FFFFFF"/>
                 </a:solidFill>
               </a14:hiddenFill>
             </a:ext>
             <a:ext uri="{91240B29-F687-4F45-9708-019B960494DF}">
-              <a14:hiddenLine xmlns="" xmlns:a14="http://schemas.microsoft.com/office/drawing/2010/main" w="9525">
+              <a14:hiddenLine xmlns:a14="http://schemas.microsoft.com/office/drawing/2010/main" w="9525">
                 <a:solidFill>
                   <a:srgbClr val="000000"/>
                 </a:solidFill>
@@ -9965,7 +9970,7 @@
     </p:spTree>
     <p:extLst>
       <p:ext uri="{BB962C8B-B14F-4D97-AF65-F5344CB8AC3E}">
-        <p14:creationId xmlns="" xmlns:p14="http://schemas.microsoft.com/office/powerpoint/2010/main" val="1550348663"/>
+        <p14:creationId xmlns:p14="http://schemas.microsoft.com/office/powerpoint/2010/main" val="1550348663"/>
       </p:ext>
     </p:extLst>
   </p:cSld>
@@ -11670,7 +11675,7 @@
     </p:spTree>
     <p:extLst>
       <p:ext uri="{BB962C8B-B14F-4D97-AF65-F5344CB8AC3E}">
-        <p14:creationId xmlns="" xmlns:p14="http://schemas.microsoft.com/office/powerpoint/2010/main" val="3891106930"/>
+        <p14:creationId xmlns:p14="http://schemas.microsoft.com/office/powerpoint/2010/main" val="3891106930"/>
       </p:ext>
     </p:extLst>
   </p:cSld>
@@ -11933,7 +11938,7 @@
           <a:blip r:embed="rId3" cstate="print">
             <a:extLst>
               <a:ext uri="{28A0092B-C50C-407E-A947-70E740481C1C}">
-                <a14:useLocalDpi xmlns="" xmlns:a14="http://schemas.microsoft.com/office/drawing/2010/main" val="0"/>
+                <a14:useLocalDpi xmlns:a14="http://schemas.microsoft.com/office/drawing/2010/main" val="0"/>
               </a:ext>
             </a:extLst>
           </a:blip>
@@ -11963,7 +11968,7 @@
           <a:blip r:embed="rId4" cstate="print">
             <a:extLst>
               <a:ext uri="{28A0092B-C50C-407E-A947-70E740481C1C}">
-                <a14:useLocalDpi xmlns="" xmlns:a14="http://schemas.microsoft.com/office/drawing/2010/main" val="0"/>
+                <a14:useLocalDpi xmlns:a14="http://schemas.microsoft.com/office/drawing/2010/main" val="0"/>
               </a:ext>
             </a:extLst>
           </a:blip>
@@ -12318,7 +12323,7 @@
     </p:spTree>
     <p:extLst>
       <p:ext uri="{BB962C8B-B14F-4D97-AF65-F5344CB8AC3E}">
-        <p14:creationId xmlns="" xmlns:p14="http://schemas.microsoft.com/office/powerpoint/2010/main" val="1883778520"/>
+        <p14:creationId xmlns:p14="http://schemas.microsoft.com/office/powerpoint/2010/main" val="1883778520"/>
       </p:ext>
     </p:extLst>
   </p:cSld>
@@ -12849,7 +12854,7 @@
     </p:spTree>
     <p:extLst>
       <p:ext uri="{BB962C8B-B14F-4D97-AF65-F5344CB8AC3E}">
-        <p14:creationId xmlns="" xmlns:p14="http://schemas.microsoft.com/office/powerpoint/2010/main" val="3592024835"/>
+        <p14:creationId xmlns:p14="http://schemas.microsoft.com/office/powerpoint/2010/main" val="3592024835"/>
       </p:ext>
     </p:extLst>
   </p:cSld>
@@ -13418,7 +13423,7 @@
     </p:spTree>
     <p:extLst>
       <p:ext uri="{BB962C8B-B14F-4D97-AF65-F5344CB8AC3E}">
-        <p14:creationId xmlns="" xmlns:p14="http://schemas.microsoft.com/office/powerpoint/2010/main" val="2422938683"/>
+        <p14:creationId xmlns:p14="http://schemas.microsoft.com/office/powerpoint/2010/main" val="2422938683"/>
       </p:ext>
     </p:extLst>
   </p:cSld>
@@ -13808,40 +13813,38 @@
       </p:sp>
       <p:pic>
         <p:nvPicPr>
-          <p:cNvPr id="3074" name="Picture 2"/>
+          <p:cNvPr id="2" name="Picture 1"/>
           <p:cNvPicPr>
-            <a:picLocks noChangeAspect="1" noChangeArrowheads="1"/>
+            <a:picLocks noChangeAspect="1"/>
           </p:cNvPicPr>
           <p:nvPr/>
         </p:nvPicPr>
         <p:blipFill>
-          <a:blip r:embed="rId3" cstate="print"/>
-          <a:srcRect/>
+          <a:blip r:embed="rId3">
+            <a:extLst>
+              <a:ext uri="{28A0092B-C50C-407E-A947-70E740481C1C}">
+                <a14:useLocalDpi xmlns:a14="http://schemas.microsoft.com/office/drawing/2010/main" val="0"/>
+              </a:ext>
+            </a:extLst>
+          </a:blip>
           <a:stretch>
             <a:fillRect/>
           </a:stretch>
         </p:blipFill>
-        <p:spPr bwMode="auto">
+        <p:spPr>
           <a:xfrm>
-            <a:off x="-1" y="1124744"/>
-            <a:ext cx="9144001" cy="5040560"/>
+            <a:off x="0" y="1193620"/>
+            <a:ext cx="9144000" cy="4470760"/>
           </a:xfrm>
           <a:prstGeom prst="rect">
             <a:avLst/>
           </a:prstGeom>
-          <a:noFill/>
-          <a:ln w="9525">
-            <a:noFill/>
-            <a:miter lim="800000"/>
-            <a:headEnd/>
-            <a:tailEnd/>
-          </a:ln>
         </p:spPr>
       </p:pic>
     </p:spTree>
     <p:extLst>
       <p:ext uri="{BB962C8B-B14F-4D97-AF65-F5344CB8AC3E}">
-        <p14:creationId xmlns="" xmlns:p14="http://schemas.microsoft.com/office/powerpoint/2010/main" val="4137757048"/>
+        <p14:creationId xmlns:p14="http://schemas.microsoft.com/office/powerpoint/2010/main" val="4137757048"/>
       </p:ext>
     </p:extLst>
   </p:cSld>
@@ -14237,40 +14240,38 @@
       </p:sp>
       <p:pic>
         <p:nvPicPr>
-          <p:cNvPr id="4098" name="Picture 2"/>
+          <p:cNvPr id="2" name="Picture 1"/>
           <p:cNvPicPr>
-            <a:picLocks noChangeAspect="1" noChangeArrowheads="1"/>
+            <a:picLocks noChangeAspect="1"/>
           </p:cNvPicPr>
           <p:nvPr/>
         </p:nvPicPr>
         <p:blipFill>
-          <a:blip r:embed="rId3" cstate="print"/>
-          <a:srcRect/>
+          <a:blip r:embed="rId3">
+            <a:extLst>
+              <a:ext uri="{28A0092B-C50C-407E-A947-70E740481C1C}">
+                <a14:useLocalDpi xmlns:a14="http://schemas.microsoft.com/office/drawing/2010/main" val="0"/>
+              </a:ext>
+            </a:extLst>
+          </a:blip>
           <a:stretch>
             <a:fillRect/>
           </a:stretch>
         </p:blipFill>
-        <p:spPr bwMode="auto">
+        <p:spPr>
           <a:xfrm>
-            <a:off x="1" y="1340768"/>
-            <a:ext cx="9144000" cy="4824535"/>
+            <a:off x="0" y="1081786"/>
+            <a:ext cx="9144000" cy="4694427"/>
           </a:xfrm>
           <a:prstGeom prst="rect">
             <a:avLst/>
           </a:prstGeom>
-          <a:noFill/>
-          <a:ln w="9525">
-            <a:noFill/>
-            <a:miter lim="800000"/>
-            <a:headEnd/>
-            <a:tailEnd/>
-          </a:ln>
         </p:spPr>
       </p:pic>
     </p:spTree>
     <p:extLst>
       <p:ext uri="{BB962C8B-B14F-4D97-AF65-F5344CB8AC3E}">
-        <p14:creationId xmlns="" xmlns:p14="http://schemas.microsoft.com/office/powerpoint/2010/main" val="707056109"/>
+        <p14:creationId xmlns:p14="http://schemas.microsoft.com/office/powerpoint/2010/main" val="707056109"/>
       </p:ext>
     </p:extLst>
   </p:cSld>

--- a/PresentationTest.pptx
+++ b/PresentationTest.pptx
@@ -13813,7 +13813,7 @@
       </p:sp>
       <p:pic>
         <p:nvPicPr>
-          <p:cNvPr id="2" name="Picture 1"/>
+          <p:cNvPr id="5" name="Picture 4"/>
           <p:cNvPicPr>
             <a:picLocks noChangeAspect="1"/>
           </p:cNvPicPr>
@@ -13833,8 +13833,8 @@
         </p:blipFill>
         <p:spPr>
           <a:xfrm>
-            <a:off x="0" y="1193620"/>
-            <a:ext cx="9144000" cy="4470760"/>
+            <a:off x="0" y="1104900"/>
+            <a:ext cx="9144000" cy="4648200"/>
           </a:xfrm>
           <a:prstGeom prst="rect">
             <a:avLst/>
